--- a/NY Real Estate Investment.pptx
+++ b/NY Real Estate Investment.pptx
@@ -13,14 +13,15 @@
     <p:sldId id="260" r:id="rId7"/>
     <p:sldId id="262" r:id="rId8"/>
     <p:sldId id="263" r:id="rId9"/>
-    <p:sldId id="264" r:id="rId10"/>
+    <p:sldId id="266" r:id="rId10"/>
     <p:sldId id="265" r:id="rId11"/>
-    <p:sldId id="266" r:id="rId12"/>
+    <p:sldId id="264" r:id="rId12"/>
     <p:sldId id="267" r:id="rId13"/>
     <p:sldId id="269" r:id="rId14"/>
     <p:sldId id="268" r:id="rId15"/>
     <p:sldId id="270" r:id="rId16"/>
-    <p:sldId id="271" r:id="rId17"/>
+    <p:sldId id="272" r:id="rId17"/>
+    <p:sldId id="271" r:id="rId18"/>
   </p:sldIdLst>
   <p:sldSz cx="12192000" cy="6858000"/>
   <p:notesSz cx="6858000" cy="9144000"/>
@@ -132,18 +133,33 @@
   <pc:docChgLst>
     <pc:chgData name="Kevin Lacap" userId="a9388ff10f82b6e0" providerId="LiveId" clId="{C1E55F89-EA6D-4970-B503-A3B2F8FFA1E8}"/>
     <pc:docChg chg="undo custSel addSld modSld sldOrd">
-      <pc:chgData name="Kevin Lacap" userId="a9388ff10f82b6e0" providerId="LiveId" clId="{C1E55F89-EA6D-4970-B503-A3B2F8FFA1E8}" dt="2020-05-16T02:17:17.463" v="422" actId="1076"/>
+      <pc:chgData name="Kevin Lacap" userId="a9388ff10f82b6e0" providerId="LiveId" clId="{C1E55F89-EA6D-4970-B503-A3B2F8FFA1E8}" dt="2020-05-16T15:36:00.822" v="593" actId="20577"/>
       <pc:docMkLst>
         <pc:docMk/>
       </pc:docMkLst>
       <pc:sldChg chg="modSp mod">
-        <pc:chgData name="Kevin Lacap" userId="a9388ff10f82b6e0" providerId="LiveId" clId="{C1E55F89-EA6D-4970-B503-A3B2F8FFA1E8}" dt="2020-05-16T02:13:26.438" v="413" actId="20577"/>
+        <pc:chgData name="Kevin Lacap" userId="a9388ff10f82b6e0" providerId="LiveId" clId="{C1E55F89-EA6D-4970-B503-A3B2F8FFA1E8}" dt="2020-05-16T14:19:35.436" v="571" actId="20577"/>
+        <pc:sldMkLst>
+          <pc:docMk/>
+          <pc:sldMk cId="1649872848" sldId="256"/>
+        </pc:sldMkLst>
+        <pc:spChg chg="mod">
+          <ac:chgData name="Kevin Lacap" userId="a9388ff10f82b6e0" providerId="LiveId" clId="{C1E55F89-EA6D-4970-B503-A3B2F8FFA1E8}" dt="2020-05-16T14:19:35.436" v="571" actId="20577"/>
+          <ac:spMkLst>
+            <pc:docMk/>
+            <pc:sldMk cId="1649872848" sldId="256"/>
+            <ac:spMk id="3" creationId="{6B8C4A37-3CCB-4AF5-9C33-5B4700C3B8B0}"/>
+          </ac:spMkLst>
+        </pc:spChg>
+      </pc:sldChg>
+      <pc:sldChg chg="modSp mod">
+        <pc:chgData name="Kevin Lacap" userId="a9388ff10f82b6e0" providerId="LiveId" clId="{C1E55F89-EA6D-4970-B503-A3B2F8FFA1E8}" dt="2020-05-16T14:34:08.534" v="575" actId="27636"/>
         <pc:sldMkLst>
           <pc:docMk/>
           <pc:sldMk cId="1820791820" sldId="257"/>
         </pc:sldMkLst>
         <pc:spChg chg="mod">
-          <ac:chgData name="Kevin Lacap" userId="a9388ff10f82b6e0" providerId="LiveId" clId="{C1E55F89-EA6D-4970-B503-A3B2F8FFA1E8}" dt="2020-05-16T02:13:26.438" v="413" actId="20577"/>
+          <ac:chgData name="Kevin Lacap" userId="a9388ff10f82b6e0" providerId="LiveId" clId="{C1E55F89-EA6D-4970-B503-A3B2F8FFA1E8}" dt="2020-05-16T14:34:08.534" v="575" actId="27636"/>
           <ac:spMkLst>
             <pc:docMk/>
             <pc:sldMk cId="1820791820" sldId="257"/>
@@ -151,14 +167,46 @@
           </ac:spMkLst>
         </pc:spChg>
       </pc:sldChg>
-      <pc:sldChg chg="modSp mod">
-        <pc:chgData name="Kevin Lacap" userId="a9388ff10f82b6e0" providerId="LiveId" clId="{C1E55F89-EA6D-4970-B503-A3B2F8FFA1E8}" dt="2020-05-16T02:13:48.151" v="416" actId="1076"/>
+      <pc:sldChg chg="addSp delSp modSp mod">
+        <pc:chgData name="Kevin Lacap" userId="a9388ff10f82b6e0" providerId="LiveId" clId="{C1E55F89-EA6D-4970-B503-A3B2F8FFA1E8}" dt="2020-05-16T13:19:34.816" v="531" actId="14100"/>
         <pc:sldMkLst>
           <pc:docMk/>
           <pc:sldMk cId="3880488121" sldId="258"/>
         </pc:sldMkLst>
+        <pc:picChg chg="add mod">
+          <ac:chgData name="Kevin Lacap" userId="a9388ff10f82b6e0" providerId="LiveId" clId="{C1E55F89-EA6D-4970-B503-A3B2F8FFA1E8}" dt="2020-05-16T11:53:43.462" v="426" actId="1076"/>
+          <ac:picMkLst>
+            <pc:docMk/>
+            <pc:sldMk cId="3880488121" sldId="258"/>
+            <ac:picMk id="2" creationId="{1FC084A6-F03B-4A63-88C8-BCBEB50ABE2E}"/>
+          </ac:picMkLst>
+        </pc:picChg>
+        <pc:picChg chg="add del mod">
+          <ac:chgData name="Kevin Lacap" userId="a9388ff10f82b6e0" providerId="LiveId" clId="{C1E55F89-EA6D-4970-B503-A3B2F8FFA1E8}" dt="2020-05-16T11:58:00.764" v="443" actId="478"/>
+          <ac:picMkLst>
+            <pc:docMk/>
+            <pc:sldMk cId="3880488121" sldId="258"/>
+            <ac:picMk id="3" creationId="{FB8FAD88-BA97-441E-8B85-12D55015F04A}"/>
+          </ac:picMkLst>
+        </pc:picChg>
+        <pc:picChg chg="add del mod">
+          <ac:chgData name="Kevin Lacap" userId="a9388ff10f82b6e0" providerId="LiveId" clId="{C1E55F89-EA6D-4970-B503-A3B2F8FFA1E8}" dt="2020-05-16T13:18:43.955" v="523" actId="478"/>
+          <ac:picMkLst>
+            <pc:docMk/>
+            <pc:sldMk cId="3880488121" sldId="258"/>
+            <ac:picMk id="4" creationId="{82054E6D-E653-40A9-A552-9A84636F5061}"/>
+          </ac:picMkLst>
+        </pc:picChg>
+        <pc:picChg chg="add mod">
+          <ac:chgData name="Kevin Lacap" userId="a9388ff10f82b6e0" providerId="LiveId" clId="{C1E55F89-EA6D-4970-B503-A3B2F8FFA1E8}" dt="2020-05-16T13:19:34.816" v="531" actId="14100"/>
+          <ac:picMkLst>
+            <pc:docMk/>
+            <pc:sldMk cId="3880488121" sldId="258"/>
+            <ac:picMk id="5" creationId="{0C05AE57-13F8-4732-89F9-A0A988C3AA92}"/>
+          </ac:picMkLst>
+        </pc:picChg>
         <pc:picChg chg="mod">
-          <ac:chgData name="Kevin Lacap" userId="a9388ff10f82b6e0" providerId="LiveId" clId="{C1E55F89-EA6D-4970-B503-A3B2F8FFA1E8}" dt="2020-05-16T02:13:44.768" v="414" actId="14100"/>
+          <ac:chgData name="Kevin Lacap" userId="a9388ff10f82b6e0" providerId="LiveId" clId="{C1E55F89-EA6D-4970-B503-A3B2F8FFA1E8}" dt="2020-05-16T12:00:42.500" v="446" actId="1076"/>
           <ac:picMkLst>
             <pc:docMk/>
             <pc:sldMk cId="3880488121" sldId="258"/>
@@ -166,7 +214,7 @@
           </ac:picMkLst>
         </pc:picChg>
         <pc:picChg chg="mod">
-          <ac:chgData name="Kevin Lacap" userId="a9388ff10f82b6e0" providerId="LiveId" clId="{C1E55F89-EA6D-4970-B503-A3B2F8FFA1E8}" dt="2020-05-16T02:13:48.151" v="416" actId="1076"/>
+          <ac:chgData name="Kevin Lacap" userId="a9388ff10f82b6e0" providerId="LiveId" clId="{C1E55F89-EA6D-4970-B503-A3B2F8FFA1E8}" dt="2020-05-16T12:01:14.867" v="451" actId="1076"/>
           <ac:picMkLst>
             <pc:docMk/>
             <pc:sldMk cId="3880488121" sldId="258"/>
@@ -174,14 +222,22 @@
           </ac:picMkLst>
         </pc:picChg>
       </pc:sldChg>
-      <pc:sldChg chg="modSp mod">
-        <pc:chgData name="Kevin Lacap" userId="a9388ff10f82b6e0" providerId="LiveId" clId="{C1E55F89-EA6D-4970-B503-A3B2F8FFA1E8}" dt="2020-05-16T02:05:09.592" v="343" actId="1076"/>
+      <pc:sldChg chg="addSp modSp mod">
+        <pc:chgData name="Kevin Lacap" userId="a9388ff10f82b6e0" providerId="LiveId" clId="{C1E55F89-EA6D-4970-B503-A3B2F8FFA1E8}" dt="2020-05-16T13:18:50.066" v="525"/>
         <pc:sldMkLst>
           <pc:docMk/>
           <pc:sldMk cId="2767901257" sldId="259"/>
         </pc:sldMkLst>
+        <pc:picChg chg="add mod">
+          <ac:chgData name="Kevin Lacap" userId="a9388ff10f82b6e0" providerId="LiveId" clId="{C1E55F89-EA6D-4970-B503-A3B2F8FFA1E8}" dt="2020-05-16T13:18:50.066" v="525"/>
+          <ac:picMkLst>
+            <pc:docMk/>
+            <pc:sldMk cId="2767901257" sldId="259"/>
+            <ac:picMk id="3" creationId="{9A55C2A6-4152-461D-B120-4217C835E2DA}"/>
+          </ac:picMkLst>
+        </pc:picChg>
         <pc:picChg chg="mod">
-          <ac:chgData name="Kevin Lacap" userId="a9388ff10f82b6e0" providerId="LiveId" clId="{C1E55F89-EA6D-4970-B503-A3B2F8FFA1E8}" dt="2020-05-16T02:05:09.592" v="343" actId="1076"/>
+          <ac:chgData name="Kevin Lacap" userId="a9388ff10f82b6e0" providerId="LiveId" clId="{C1E55F89-EA6D-4970-B503-A3B2F8FFA1E8}" dt="2020-05-16T13:18:48.880" v="524" actId="1076"/>
           <ac:picMkLst>
             <pc:docMk/>
             <pc:sldMk cId="2767901257" sldId="259"/>
@@ -189,14 +245,22 @@
           </ac:picMkLst>
         </pc:picChg>
       </pc:sldChg>
-      <pc:sldChg chg="modSp mod">
-        <pc:chgData name="Kevin Lacap" userId="a9388ff10f82b6e0" providerId="LiveId" clId="{C1E55F89-EA6D-4970-B503-A3B2F8FFA1E8}" dt="2020-05-16T02:05:19.432" v="347" actId="1076"/>
+      <pc:sldChg chg="addSp modSp mod">
+        <pc:chgData name="Kevin Lacap" userId="a9388ff10f82b6e0" providerId="LiveId" clId="{C1E55F89-EA6D-4970-B503-A3B2F8FFA1E8}" dt="2020-05-16T13:19:23.429" v="527"/>
         <pc:sldMkLst>
           <pc:docMk/>
           <pc:sldMk cId="3574484618" sldId="260"/>
         </pc:sldMkLst>
+        <pc:picChg chg="add mod">
+          <ac:chgData name="Kevin Lacap" userId="a9388ff10f82b6e0" providerId="LiveId" clId="{C1E55F89-EA6D-4970-B503-A3B2F8FFA1E8}" dt="2020-05-16T13:19:23.429" v="527"/>
+          <ac:picMkLst>
+            <pc:docMk/>
+            <pc:sldMk cId="3574484618" sldId="260"/>
+            <ac:picMk id="3" creationId="{04623A47-64BA-44B0-9219-47148AE0E6CC}"/>
+          </ac:picMkLst>
+        </pc:picChg>
         <pc:picChg chg="mod">
-          <ac:chgData name="Kevin Lacap" userId="a9388ff10f82b6e0" providerId="LiveId" clId="{C1E55F89-EA6D-4970-B503-A3B2F8FFA1E8}" dt="2020-05-16T02:05:19.432" v="347" actId="1076"/>
+          <ac:chgData name="Kevin Lacap" userId="a9388ff10f82b6e0" providerId="LiveId" clId="{C1E55F89-EA6D-4970-B503-A3B2F8FFA1E8}" dt="2020-05-16T13:19:22.688" v="526" actId="1076"/>
           <ac:picMkLst>
             <pc:docMk/>
             <pc:sldMk cId="3574484618" sldId="260"/>
@@ -204,12 +268,28 @@
           </ac:picMkLst>
         </pc:picChg>
       </pc:sldChg>
-      <pc:sldChg chg="modSp mod">
-        <pc:chgData name="Kevin Lacap" userId="a9388ff10f82b6e0" providerId="LiveId" clId="{C1E55F89-EA6D-4970-B503-A3B2F8FFA1E8}" dt="2020-05-16T02:14:05.311" v="420" actId="14100"/>
+      <pc:sldChg chg="addSp delSp modSp mod">
+        <pc:chgData name="Kevin Lacap" userId="a9388ff10f82b6e0" providerId="LiveId" clId="{C1E55F89-EA6D-4970-B503-A3B2F8FFA1E8}" dt="2020-05-16T13:19:27.462" v="528" actId="478"/>
         <pc:sldMkLst>
           <pc:docMk/>
           <pc:sldMk cId="822670224" sldId="261"/>
         </pc:sldMkLst>
+        <pc:picChg chg="add del mod">
+          <ac:chgData name="Kevin Lacap" userId="a9388ff10f82b6e0" providerId="LiveId" clId="{C1E55F89-EA6D-4970-B503-A3B2F8FFA1E8}" dt="2020-05-16T12:02:16.798" v="453" actId="478"/>
+          <ac:picMkLst>
+            <pc:docMk/>
+            <pc:sldMk cId="822670224" sldId="261"/>
+            <ac:picMk id="2" creationId="{CA1F902D-29E0-4B87-BAC1-DEAED38149A0}"/>
+          </ac:picMkLst>
+        </pc:picChg>
+        <pc:picChg chg="add mod">
+          <ac:chgData name="Kevin Lacap" userId="a9388ff10f82b6e0" providerId="LiveId" clId="{C1E55F89-EA6D-4970-B503-A3B2F8FFA1E8}" dt="2020-05-16T12:02:30.539" v="455" actId="1076"/>
+          <ac:picMkLst>
+            <pc:docMk/>
+            <pc:sldMk cId="822670224" sldId="261"/>
+            <ac:picMk id="3" creationId="{EAC44E74-89BE-4F92-ADB2-E5F20312DEB3}"/>
+          </ac:picMkLst>
+        </pc:picChg>
         <pc:picChg chg="mod">
           <ac:chgData name="Kevin Lacap" userId="a9388ff10f82b6e0" providerId="LiveId" clId="{C1E55F89-EA6D-4970-B503-A3B2F8FFA1E8}" dt="2020-05-16T02:14:01.736" v="418" actId="1076"/>
           <ac:picMkLst>
@@ -226,23 +306,54 @@
             <ac:picMk id="5" creationId="{AF5C04A3-53EB-4334-B8A9-5EE467810884}"/>
           </ac:picMkLst>
         </pc:picChg>
+        <pc:picChg chg="add mod">
+          <ac:chgData name="Kevin Lacap" userId="a9388ff10f82b6e0" providerId="LiveId" clId="{C1E55F89-EA6D-4970-B503-A3B2F8FFA1E8}" dt="2020-05-16T11:54:45.044" v="429"/>
+          <ac:picMkLst>
+            <pc:docMk/>
+            <pc:sldMk cId="822670224" sldId="261"/>
+            <ac:picMk id="6" creationId="{8867F501-0D38-4634-9993-80725EEAAE12}"/>
+          </ac:picMkLst>
+        </pc:picChg>
+        <pc:picChg chg="add del mod">
+          <ac:chgData name="Kevin Lacap" userId="a9388ff10f82b6e0" providerId="LiveId" clId="{C1E55F89-EA6D-4970-B503-A3B2F8FFA1E8}" dt="2020-05-16T13:19:27.462" v="528" actId="478"/>
+          <ac:picMkLst>
+            <pc:docMk/>
+            <pc:sldMk cId="822670224" sldId="261"/>
+            <ac:picMk id="7" creationId="{CBEDD753-B638-4EA8-BDC1-F06A9E76ED16}"/>
+          </ac:picMkLst>
+        </pc:picChg>
       </pc:sldChg>
-      <pc:sldChg chg="addSp modSp mod">
-        <pc:chgData name="Kevin Lacap" userId="a9388ff10f82b6e0" providerId="LiveId" clId="{C1E55F89-EA6D-4970-B503-A3B2F8FFA1E8}" dt="2020-05-16T01:48:05.553" v="55" actId="14100"/>
+      <pc:sldChg chg="ord">
+        <pc:chgData name="Kevin Lacap" userId="a9388ff10f82b6e0" providerId="LiveId" clId="{C1E55F89-EA6D-4970-B503-A3B2F8FFA1E8}" dt="2020-05-16T12:10:04.499" v="494"/>
+        <pc:sldMkLst>
+          <pc:docMk/>
+          <pc:sldMk cId="784679874" sldId="263"/>
+        </pc:sldMkLst>
+      </pc:sldChg>
+      <pc:sldChg chg="addSp delSp modSp mod ord">
+        <pc:chgData name="Kevin Lacap" userId="a9388ff10f82b6e0" providerId="LiveId" clId="{C1E55F89-EA6D-4970-B503-A3B2F8FFA1E8}" dt="2020-05-16T12:10:11.299" v="496"/>
         <pc:sldMkLst>
           <pc:docMk/>
           <pc:sldMk cId="1600386666" sldId="264"/>
         </pc:sldMkLst>
-        <pc:spChg chg="add mod">
-          <ac:chgData name="Kevin Lacap" userId="a9388ff10f82b6e0" providerId="LiveId" clId="{C1E55F89-EA6D-4970-B503-A3B2F8FFA1E8}" dt="2020-05-16T01:48:05.553" v="55" actId="14100"/>
+        <pc:spChg chg="add del mod">
+          <ac:chgData name="Kevin Lacap" userId="a9388ff10f82b6e0" providerId="LiveId" clId="{C1E55F89-EA6D-4970-B503-A3B2F8FFA1E8}" dt="2020-05-16T12:06:10.212" v="470" actId="478"/>
           <ac:spMkLst>
             <pc:docMk/>
             <pc:sldMk cId="1600386666" sldId="264"/>
             <ac:spMk id="2" creationId="{E0E11138-1B2A-40E0-BFD8-239B272387DC}"/>
           </ac:spMkLst>
         </pc:spChg>
+        <pc:picChg chg="add mod">
+          <ac:chgData name="Kevin Lacap" userId="a9388ff10f82b6e0" providerId="LiveId" clId="{C1E55F89-EA6D-4970-B503-A3B2F8FFA1E8}" dt="2020-05-16T12:06:12.739" v="471" actId="1076"/>
+          <ac:picMkLst>
+            <pc:docMk/>
+            <pc:sldMk cId="1600386666" sldId="264"/>
+            <ac:picMk id="3" creationId="{DDB8F3D8-DD9F-4DD3-840C-66278F639AB6}"/>
+          </ac:picMkLst>
+        </pc:picChg>
         <pc:picChg chg="mod">
-          <ac:chgData name="Kevin Lacap" userId="a9388ff10f82b6e0" providerId="LiveId" clId="{C1E55F89-EA6D-4970-B503-A3B2F8FFA1E8}" dt="2020-05-16T01:47:58.938" v="52" actId="14100"/>
+          <ac:chgData name="Kevin Lacap" userId="a9388ff10f82b6e0" providerId="LiveId" clId="{C1E55F89-EA6D-4970-B503-A3B2F8FFA1E8}" dt="2020-05-16T12:06:18.259" v="473" actId="1076"/>
           <ac:picMkLst>
             <pc:docMk/>
             <pc:sldMk cId="1600386666" sldId="264"/>
@@ -250,26 +361,73 @@
           </ac:picMkLst>
         </pc:picChg>
       </pc:sldChg>
-      <pc:sldChg chg="addSp modSp mod">
-        <pc:chgData name="Kevin Lacap" userId="a9388ff10f82b6e0" providerId="LiveId" clId="{C1E55F89-EA6D-4970-B503-A3B2F8FFA1E8}" dt="2020-05-16T01:48:48.433" v="65" actId="1076"/>
+      <pc:sldChg chg="addSp delSp modSp mod">
+        <pc:chgData name="Kevin Lacap" userId="a9388ff10f82b6e0" providerId="LiveId" clId="{C1E55F89-EA6D-4970-B503-A3B2F8FFA1E8}" dt="2020-05-16T12:09:14.307" v="492" actId="14100"/>
         <pc:sldMkLst>
           <pc:docMk/>
           <pc:sldMk cId="1493583477" sldId="265"/>
         </pc:sldMkLst>
-        <pc:spChg chg="add mod">
-          <ac:chgData name="Kevin Lacap" userId="a9388ff10f82b6e0" providerId="LiveId" clId="{C1E55F89-EA6D-4970-B503-A3B2F8FFA1E8}" dt="2020-05-16T01:48:46.409" v="64" actId="1076"/>
+        <pc:spChg chg="add del mod">
+          <ac:chgData name="Kevin Lacap" userId="a9388ff10f82b6e0" providerId="LiveId" clId="{C1E55F89-EA6D-4970-B503-A3B2F8FFA1E8}" dt="2020-05-16T12:07:12.017" v="474" actId="478"/>
           <ac:spMkLst>
             <pc:docMk/>
             <pc:sldMk cId="1493583477" sldId="265"/>
             <ac:spMk id="2" creationId="{09100F45-36AA-425E-8858-1EAC2D8DA817}"/>
           </ac:spMkLst>
         </pc:spChg>
+        <pc:picChg chg="add del mod">
+          <ac:chgData name="Kevin Lacap" userId="a9388ff10f82b6e0" providerId="LiveId" clId="{C1E55F89-EA6D-4970-B503-A3B2F8FFA1E8}" dt="2020-05-16T12:08:53.541" v="485" actId="21"/>
+          <ac:picMkLst>
+            <pc:docMk/>
+            <pc:sldMk cId="1493583477" sldId="265"/>
+            <ac:picMk id="3" creationId="{CD60E998-B0AB-4E55-8860-D689344230B1}"/>
+          </ac:picMkLst>
+        </pc:picChg>
         <pc:picChg chg="mod">
-          <ac:chgData name="Kevin Lacap" userId="a9388ff10f82b6e0" providerId="LiveId" clId="{C1E55F89-EA6D-4970-B503-A3B2F8FFA1E8}" dt="2020-05-16T01:48:48.433" v="65" actId="1076"/>
+          <ac:chgData name="Kevin Lacap" userId="a9388ff10f82b6e0" providerId="LiveId" clId="{C1E55F89-EA6D-4970-B503-A3B2F8FFA1E8}" dt="2020-05-16T12:09:14.307" v="492" actId="14100"/>
           <ac:picMkLst>
             <pc:docMk/>
             <pc:sldMk cId="1493583477" sldId="265"/>
             <ac:picMk id="5" creationId="{D5B9FBE2-863C-4045-904B-19A556DDF49D}"/>
+          </ac:picMkLst>
+        </pc:picChg>
+        <pc:picChg chg="add mod">
+          <ac:chgData name="Kevin Lacap" userId="a9388ff10f82b6e0" providerId="LiveId" clId="{C1E55F89-EA6D-4970-B503-A3B2F8FFA1E8}" dt="2020-05-16T12:09:06.283" v="491" actId="1076"/>
+          <ac:picMkLst>
+            <pc:docMk/>
+            <pc:sldMk cId="1493583477" sldId="265"/>
+            <ac:picMk id="6" creationId="{48A59B08-5B70-4FB3-B396-AB49ADAD0E5B}"/>
+          </ac:picMkLst>
+        </pc:picChg>
+      </pc:sldChg>
+      <pc:sldChg chg="addSp delSp modSp mod ord">
+        <pc:chgData name="Kevin Lacap" userId="a9388ff10f82b6e0" providerId="LiveId" clId="{C1E55F89-EA6D-4970-B503-A3B2F8FFA1E8}" dt="2020-05-16T12:09:02.058" v="490" actId="14100"/>
+        <pc:sldMkLst>
+          <pc:docMk/>
+          <pc:sldMk cId="1692904997" sldId="266"/>
+        </pc:sldMkLst>
+        <pc:picChg chg="add del mod">
+          <ac:chgData name="Kevin Lacap" userId="a9388ff10f82b6e0" providerId="LiveId" clId="{C1E55F89-EA6D-4970-B503-A3B2F8FFA1E8}" dt="2020-05-16T12:08:55.846" v="486" actId="478"/>
+          <ac:picMkLst>
+            <pc:docMk/>
+            <pc:sldMk cId="1692904997" sldId="266"/>
+            <ac:picMk id="2" creationId="{9433EDFE-923A-4153-AA02-2F8938188B2A}"/>
+          </ac:picMkLst>
+        </pc:picChg>
+        <pc:picChg chg="mod">
+          <ac:chgData name="Kevin Lacap" userId="a9388ff10f82b6e0" providerId="LiveId" clId="{C1E55F89-EA6D-4970-B503-A3B2F8FFA1E8}" dt="2020-05-16T12:09:02.058" v="490" actId="14100"/>
+          <ac:picMkLst>
+            <pc:docMk/>
+            <pc:sldMk cId="1692904997" sldId="266"/>
+            <ac:picMk id="4" creationId="{6139E8A2-FA9A-4C52-B25B-457A19EDBCB1}"/>
+          </ac:picMkLst>
+        </pc:picChg>
+        <pc:picChg chg="add mod">
+          <ac:chgData name="Kevin Lacap" userId="a9388ff10f82b6e0" providerId="LiveId" clId="{C1E55F89-EA6D-4970-B503-A3B2F8FFA1E8}" dt="2020-05-16T12:09:00.547" v="489" actId="1076"/>
+          <ac:picMkLst>
+            <pc:docMk/>
+            <pc:sldMk cId="1692904997" sldId="266"/>
+            <ac:picMk id="5" creationId="{250EF413-6EA1-4D89-98ED-B2C2286CFFDC}"/>
           </ac:picMkLst>
         </pc:picChg>
       </pc:sldChg>
@@ -424,7 +582,7 @@
         </pc:picChg>
       </pc:sldChg>
       <pc:sldChg chg="addSp delSp modSp new mod">
-        <pc:chgData name="Kevin Lacap" userId="a9388ff10f82b6e0" providerId="LiveId" clId="{C1E55F89-EA6D-4970-B503-A3B2F8FFA1E8}" dt="2020-05-16T02:00:36.441" v="270" actId="1076"/>
+        <pc:chgData name="Kevin Lacap" userId="a9388ff10f82b6e0" providerId="LiveId" clId="{C1E55F89-EA6D-4970-B503-A3B2F8FFA1E8}" dt="2020-05-16T12:11:55.119" v="498" actId="478"/>
         <pc:sldMkLst>
           <pc:docMk/>
           <pc:sldMk cId="2987952433" sldId="269"/>
@@ -435,6 +593,14 @@
             <pc:docMk/>
             <pc:sldMk cId="2987952433" sldId="269"/>
             <ac:spMk id="2" creationId="{80661AE4-8DE3-443B-9325-96447914AAD2}"/>
+          </ac:spMkLst>
+        </pc:spChg>
+        <pc:spChg chg="add del mod">
+          <ac:chgData name="Kevin Lacap" userId="a9388ff10f82b6e0" providerId="LiveId" clId="{C1E55F89-EA6D-4970-B503-A3B2F8FFA1E8}" dt="2020-05-16T12:11:55.119" v="498" actId="478"/>
+          <ac:spMkLst>
+            <pc:docMk/>
+            <pc:sldMk cId="2987952433" sldId="269"/>
+            <ac:spMk id="2" creationId="{824307A6-818E-4776-B1A4-0E179098D7E8}"/>
           </ac:spMkLst>
         </pc:spChg>
         <pc:spChg chg="del">
@@ -585,6 +751,29 @@
             <pc:docMk/>
             <pc:sldMk cId="1703119781" sldId="271"/>
             <ac:spMk id="3" creationId="{942441CC-66C8-47C1-BA7A-9512B8D71320}"/>
+          </ac:spMkLst>
+        </pc:spChg>
+      </pc:sldChg>
+      <pc:sldChg chg="modSp new mod">
+        <pc:chgData name="Kevin Lacap" userId="a9388ff10f82b6e0" providerId="LiveId" clId="{C1E55F89-EA6D-4970-B503-A3B2F8FFA1E8}" dt="2020-05-16T15:36:00.822" v="593" actId="20577"/>
+        <pc:sldMkLst>
+          <pc:docMk/>
+          <pc:sldMk cId="1669856075" sldId="272"/>
+        </pc:sldMkLst>
+        <pc:spChg chg="mod">
+          <ac:chgData name="Kevin Lacap" userId="a9388ff10f82b6e0" providerId="LiveId" clId="{C1E55F89-EA6D-4970-B503-A3B2F8FFA1E8}" dt="2020-05-16T15:35:11.859" v="587" actId="20577"/>
+          <ac:spMkLst>
+            <pc:docMk/>
+            <pc:sldMk cId="1669856075" sldId="272"/>
+            <ac:spMk id="2" creationId="{935D824E-B7F1-410F-818C-6C1099F337FC}"/>
+          </ac:spMkLst>
+        </pc:spChg>
+        <pc:spChg chg="mod">
+          <ac:chgData name="Kevin Lacap" userId="a9388ff10f82b6e0" providerId="LiveId" clId="{C1E55F89-EA6D-4970-B503-A3B2F8FFA1E8}" dt="2020-05-16T15:36:00.822" v="593" actId="20577"/>
+          <ac:spMkLst>
+            <pc:docMk/>
+            <pc:sldMk cId="1669856075" sldId="272"/>
+            <ac:spMk id="3" creationId="{7AA99BA7-9F1C-4294-A794-E60000DF4ED1}"/>
           </ac:spMkLst>
         </pc:spChg>
       </pc:sldChg>
@@ -3864,7 +4053,15 @@
           <a:p>
             <a:r>
               <a:rPr lang="en-US" dirty="0"/>
-              <a:t>Shelly, Shubhra, Rachel, Kevin</a:t>
+              <a:t>Shelly </a:t>
+            </a:r>
+            <a:r>
+              <a:rPr lang="en-US" dirty="0" err="1"/>
+              <a:t>Shtauber</a:t>
+            </a:r>
+            <a:r>
+              <a:rPr lang="en-US" dirty="0"/>
+              <a:t>, Shubhra Bhatnagar, Rachel Solomon, Kevin Lacap</a:t>
             </a:r>
           </a:p>
         </p:txBody>
@@ -3921,54 +4118,44 @@
         </p:blipFill>
         <p:spPr>
           <a:xfrm>
-            <a:off x="1596472" y="573778"/>
-            <a:ext cx="9310067" cy="4475301"/>
+            <a:off x="1440966" y="467760"/>
+            <a:ext cx="9478825" cy="4886118"/>
           </a:xfrm>
           <a:prstGeom prst="rect">
             <a:avLst/>
           </a:prstGeom>
         </p:spPr>
       </p:pic>
-      <p:sp>
-        <p:nvSpPr>
-          <p:cNvPr id="2" name="Rectangle 1">
-            <a:extLst>
-              <a:ext uri="{FF2B5EF4-FFF2-40B4-BE49-F238E27FC236}">
-                <a16:creationId xmlns:a16="http://schemas.microsoft.com/office/drawing/2014/main" id="{09100F45-36AA-425E-8858-1EAC2D8DA817}"/>
-              </a:ext>
-            </a:extLst>
-          </p:cNvPr>
-          <p:cNvSpPr/>
+      <p:pic>
+        <p:nvPicPr>
+          <p:cNvPr id="6" name="Picture 5">
+            <a:extLst>
+              <a:ext uri="{FF2B5EF4-FFF2-40B4-BE49-F238E27FC236}">
+                <a16:creationId xmlns:a16="http://schemas.microsoft.com/office/drawing/2014/main" id="{48A59B08-5B70-4FB3-B396-AB49ADAD0E5B}"/>
+              </a:ext>
+            </a:extLst>
+          </p:cNvPr>
+          <p:cNvPicPr>
+            <a:picLocks noChangeAspect="1"/>
+          </p:cNvPicPr>
           <p:nvPr/>
-        </p:nvSpPr>
-        <p:spPr>
-          <a:xfrm>
-            <a:off x="1391478" y="5261112"/>
-            <a:ext cx="9409044" cy="1477328"/>
+        </p:nvPicPr>
+        <p:blipFill>
+          <a:blip r:embed="rId3"/>
+          <a:stretch>
+            <a:fillRect/>
+          </a:stretch>
+        </p:blipFill>
+        <p:spPr>
+          <a:xfrm>
+            <a:off x="1311137" y="5475840"/>
+            <a:ext cx="8801100" cy="914400"/>
           </a:xfrm>
           <a:prstGeom prst="rect">
             <a:avLst/>
           </a:prstGeom>
         </p:spPr>
-        <p:txBody>
-          <a:bodyPr wrap="square">
-            <a:spAutoFit/>
-          </a:bodyPr>
-          <a:lstStyle/>
-          <a:p>
-            <a:r>
-              <a:rPr lang="en-US" dirty="0">
-                <a:solidFill>
-                  <a:srgbClr val="24292E"/>
-                </a:solidFill>
-                <a:latin typeface="-apple-system"/>
-              </a:rPr>
-              <a:t>Cap rate can be useful for a few reasons. For starters, it could be an apples-to-apples way to compare potential rental properties that may have different financing structures, since it doesn’t take debt repayment into account. For example, if your lender wants a 15% down payment on a single-family property and a 25% down payment for a duplex, using the expected cap rate can help you determine which is the better deal relative to its rental income potential.</a:t>
-            </a:r>
-            <a:endParaRPr lang="en-US" dirty="0"/>
-          </a:p>
-        </p:txBody>
-      </p:sp>
+      </p:pic>
     </p:spTree>
     <p:extLst>
       <p:ext uri="{BB962C8B-B14F-4D97-AF65-F5344CB8AC3E}">
@@ -4004,7 +4191,7 @@
           <p:cNvPr id="4" name="Picture 3">
             <a:extLst>
               <a:ext uri="{FF2B5EF4-FFF2-40B4-BE49-F238E27FC236}">
-                <a16:creationId xmlns:a16="http://schemas.microsoft.com/office/drawing/2014/main" id="{6139E8A2-FA9A-4C52-B25B-457A19EDBCB1}"/>
+                <a16:creationId xmlns:a16="http://schemas.microsoft.com/office/drawing/2014/main" id="{E922C49D-E5CA-432A-9232-01E402CB49C7}"/>
               </a:ext>
             </a:extLst>
           </p:cNvPr>
@@ -4021,8 +4208,38 @@
         </p:blipFill>
         <p:spPr>
           <a:xfrm>
-            <a:off x="1226238" y="555763"/>
-            <a:ext cx="9455013" cy="5393168"/>
+            <a:off x="1229592" y="497676"/>
+            <a:ext cx="9734887" cy="4427822"/>
+          </a:xfrm>
+          <a:prstGeom prst="rect">
+            <a:avLst/>
+          </a:prstGeom>
+        </p:spPr>
+      </p:pic>
+      <p:pic>
+        <p:nvPicPr>
+          <p:cNvPr id="3" name="Picture 2">
+            <a:extLst>
+              <a:ext uri="{FF2B5EF4-FFF2-40B4-BE49-F238E27FC236}">
+                <a16:creationId xmlns:a16="http://schemas.microsoft.com/office/drawing/2014/main" id="{DDB8F3D8-DD9F-4DD3-840C-66278F639AB6}"/>
+              </a:ext>
+            </a:extLst>
+          </p:cNvPr>
+          <p:cNvPicPr>
+            <a:picLocks noChangeAspect="1"/>
+          </p:cNvPicPr>
+          <p:nvPr/>
+        </p:nvPicPr>
+        <p:blipFill>
+          <a:blip r:embed="rId3"/>
+          <a:stretch>
+            <a:fillRect/>
+          </a:stretch>
+        </p:blipFill>
+        <p:spPr>
+          <a:xfrm>
+            <a:off x="1031184" y="4607724"/>
+            <a:ext cx="9997859" cy="1752600"/>
           </a:xfrm>
           <a:prstGeom prst="rect">
             <a:avLst/>
@@ -4032,7 +4249,7 @@
     </p:spTree>
     <p:extLst>
       <p:ext uri="{BB962C8B-B14F-4D97-AF65-F5344CB8AC3E}">
-        <p14:creationId xmlns:p14="http://schemas.microsoft.com/office/powerpoint/2010/main" val="1692904997"/>
+        <p14:creationId xmlns:p14="http://schemas.microsoft.com/office/powerpoint/2010/main" val="1600386666"/>
       </p:ext>
     </p:extLst>
   </p:cSld>
@@ -4924,6 +5141,96 @@
           <p:cNvPr id="2" name="Title 1">
             <a:extLst>
               <a:ext uri="{FF2B5EF4-FFF2-40B4-BE49-F238E27FC236}">
+                <a16:creationId xmlns:a16="http://schemas.microsoft.com/office/drawing/2014/main" id="{935D824E-B7F1-410F-818C-6C1099F337FC}"/>
+              </a:ext>
+            </a:extLst>
+          </p:cNvPr>
+          <p:cNvSpPr>
+            <a:spLocks noGrp="1"/>
+          </p:cNvSpPr>
+          <p:nvPr>
+            <p:ph type="title"/>
+          </p:nvPr>
+        </p:nvSpPr>
+        <p:spPr/>
+        <p:txBody>
+          <a:bodyPr/>
+          <a:lstStyle/>
+          <a:p>
+            <a:pPr algn="ctr"/>
+            <a:r>
+              <a:rPr lang="en-US" dirty="0"/>
+              <a:t>Conclusion</a:t>
+            </a:r>
+          </a:p>
+        </p:txBody>
+      </p:sp>
+      <p:sp>
+        <p:nvSpPr>
+          <p:cNvPr id="3" name="Content Placeholder 2">
+            <a:extLst>
+              <a:ext uri="{FF2B5EF4-FFF2-40B4-BE49-F238E27FC236}">
+                <a16:creationId xmlns:a16="http://schemas.microsoft.com/office/drawing/2014/main" id="{7AA99BA7-9F1C-4294-A794-E60000DF4ED1}"/>
+              </a:ext>
+            </a:extLst>
+          </p:cNvPr>
+          <p:cNvSpPr>
+            <a:spLocks noGrp="1"/>
+          </p:cNvSpPr>
+          <p:nvPr>
+            <p:ph idx="1"/>
+          </p:nvPr>
+        </p:nvSpPr>
+        <p:spPr/>
+        <p:txBody>
+          <a:bodyPr/>
+          <a:lstStyle/>
+          <a:p>
+            <a:pPr marL="0" indent="0">
+              <a:buNone/>
+            </a:pPr>
+            <a:r>
+              <a:rPr lang="en-US" dirty="0"/>
+              <a:t>	Almost everyone buys or rents homes however, its surprising how little is available to make the best decision except for some listing sites...This project will make people make the best decision and has a lot of potential especially when incorporate all the crime, demographics, school and pandemic data... If we had two more weeks we would have added additional inputs that investors typically use when modeling a real estate deal - Crime, school, demographics trend, transportation data etc...</a:t>
+            </a:r>
+          </a:p>
+        </p:txBody>
+      </p:sp>
+    </p:spTree>
+    <p:extLst>
+      <p:ext uri="{BB962C8B-B14F-4D97-AF65-F5344CB8AC3E}">
+        <p14:creationId xmlns:p14="http://schemas.microsoft.com/office/powerpoint/2010/main" val="1669856075"/>
+      </p:ext>
+    </p:extLst>
+  </p:cSld>
+  <p:clrMapOvr>
+    <a:masterClrMapping/>
+  </p:clrMapOvr>
+</p:sld>
+</file>
+
+<file path=ppt/slides/slide17.xml><?xml version="1.0" encoding="utf-8"?>
+<p:sld xmlns:a="http://schemas.openxmlformats.org/drawingml/2006/main" xmlns:r="http://schemas.openxmlformats.org/officeDocument/2006/relationships" xmlns:p="http://schemas.openxmlformats.org/presentationml/2006/main">
+  <p:cSld>
+    <p:spTree>
+      <p:nvGrpSpPr>
+        <p:cNvPr id="1" name=""/>
+        <p:cNvGrpSpPr/>
+        <p:nvPr/>
+      </p:nvGrpSpPr>
+      <p:grpSpPr>
+        <a:xfrm>
+          <a:off x="0" y="0"/>
+          <a:ext cx="0" cy="0"/>
+          <a:chOff x="0" y="0"/>
+          <a:chExt cx="0" cy="0"/>
+        </a:xfrm>
+      </p:grpSpPr>
+      <p:sp>
+        <p:nvSpPr>
+          <p:cNvPr id="2" name="Title 1">
+            <a:extLst>
+              <a:ext uri="{FF2B5EF4-FFF2-40B4-BE49-F238E27FC236}">
                 <a16:creationId xmlns:a16="http://schemas.microsoft.com/office/drawing/2014/main" id="{43DD6950-B220-46BF-B45C-D1997943EA6C}"/>
               </a:ext>
             </a:extLst>
@@ -5037,7 +5344,7 @@
           <a:p>
             <a:r>
               <a:rPr lang="en-US" dirty="0"/>
-              <a:t>Objective - Investing in Real Estate in NYC Boroughs as an investment strategy for both Rental and Sales properties</a:t>
+              <a:t>Objective - Investing in Real Estate in NYC Boroughs as an investment strategy for both Rental and Sales properties for potential investors</a:t>
             </a:r>
           </a:p>
           <a:p>
@@ -5081,15 +5388,21 @@
           <a:p>
             <a:pPr lvl="1"/>
             <a:r>
+              <a:rPr lang="en-US" dirty="0">
+                <a:hlinkClick r:id="rId2"/>
+              </a:rPr>
+              <a:t>www.health.ny.gov</a:t>
+            </a:r>
+            <a:r>
+              <a:rPr lang="en-US" dirty="0"/>
+              <a:t> - ZIP Code Definitions of New York City Neighborhoods</a:t>
+            </a:r>
+          </a:p>
+          <a:p>
+            <a:pPr lvl="1"/>
+            <a:r>
               <a:rPr lang="en-US" dirty="0"/>
               <a:t>Zillow - Historical Rent Data</a:t>
-            </a:r>
-          </a:p>
-          <a:p>
-            <a:pPr lvl="1"/>
-            <a:r>
-              <a:rPr lang="en-US" dirty="0"/>
-              <a:t>***Data is pre COVID****</a:t>
             </a:r>
           </a:p>
           <a:p>
@@ -5182,8 +5495,68 @@
         </p:blipFill>
         <p:spPr>
           <a:xfrm>
-            <a:off x="6096000" y="994119"/>
+            <a:off x="6096000" y="833644"/>
             <a:ext cx="5638365" cy="4380673"/>
+          </a:xfrm>
+          <a:prstGeom prst="rect">
+            <a:avLst/>
+          </a:prstGeom>
+        </p:spPr>
+      </p:pic>
+      <p:pic>
+        <p:nvPicPr>
+          <p:cNvPr id="2" name="Picture 1">
+            <a:extLst>
+              <a:ext uri="{FF2B5EF4-FFF2-40B4-BE49-F238E27FC236}">
+                <a16:creationId xmlns:a16="http://schemas.microsoft.com/office/drawing/2014/main" id="{1FC084A6-F03B-4A63-88C8-BCBEB50ABE2E}"/>
+              </a:ext>
+            </a:extLst>
+          </p:cNvPr>
+          <p:cNvPicPr>
+            <a:picLocks noChangeAspect="1"/>
+          </p:cNvPicPr>
+          <p:nvPr/>
+        </p:nvPicPr>
+        <p:blipFill>
+          <a:blip r:embed="rId4"/>
+          <a:stretch>
+            <a:fillRect/>
+          </a:stretch>
+        </p:blipFill>
+        <p:spPr>
+          <a:xfrm>
+            <a:off x="2529095" y="257379"/>
+            <a:ext cx="6762750" cy="523875"/>
+          </a:xfrm>
+          <a:prstGeom prst="rect">
+            <a:avLst/>
+          </a:prstGeom>
+        </p:spPr>
+      </p:pic>
+      <p:pic>
+        <p:nvPicPr>
+          <p:cNvPr id="5" name="Picture 4">
+            <a:extLst>
+              <a:ext uri="{FF2B5EF4-FFF2-40B4-BE49-F238E27FC236}">
+                <a16:creationId xmlns:a16="http://schemas.microsoft.com/office/drawing/2014/main" id="{0C05AE57-13F8-4732-89F9-A0A988C3AA92}"/>
+              </a:ext>
+            </a:extLst>
+          </p:cNvPr>
+          <p:cNvPicPr>
+            <a:picLocks noChangeAspect="1"/>
+          </p:cNvPicPr>
+          <p:nvPr/>
+        </p:nvPicPr>
+        <p:blipFill>
+          <a:blip r:embed="rId5"/>
+          <a:stretch>
+            <a:fillRect/>
+          </a:stretch>
+        </p:blipFill>
+        <p:spPr>
+          <a:xfrm>
+            <a:off x="1291879" y="5520981"/>
+            <a:ext cx="6619669" cy="503375"/>
           </a:xfrm>
           <a:prstGeom prst="rect">
             <a:avLst/>
@@ -5282,6 +5655,66 @@
           </a:prstGeom>
         </p:spPr>
       </p:pic>
+      <p:pic>
+        <p:nvPicPr>
+          <p:cNvPr id="6" name="Picture 5">
+            <a:extLst>
+              <a:ext uri="{FF2B5EF4-FFF2-40B4-BE49-F238E27FC236}">
+                <a16:creationId xmlns:a16="http://schemas.microsoft.com/office/drawing/2014/main" id="{8867F501-0D38-4634-9993-80725EEAAE12}"/>
+              </a:ext>
+            </a:extLst>
+          </p:cNvPr>
+          <p:cNvPicPr>
+            <a:picLocks noChangeAspect="1"/>
+          </p:cNvPicPr>
+          <p:nvPr/>
+        </p:nvPicPr>
+        <p:blipFill>
+          <a:blip r:embed="rId4"/>
+          <a:stretch>
+            <a:fillRect/>
+          </a:stretch>
+        </p:blipFill>
+        <p:spPr>
+          <a:xfrm>
+            <a:off x="2529095" y="257379"/>
+            <a:ext cx="6762750" cy="523875"/>
+          </a:xfrm>
+          <a:prstGeom prst="rect">
+            <a:avLst/>
+          </a:prstGeom>
+        </p:spPr>
+      </p:pic>
+      <p:pic>
+        <p:nvPicPr>
+          <p:cNvPr id="3" name="Picture 2">
+            <a:extLst>
+              <a:ext uri="{FF2B5EF4-FFF2-40B4-BE49-F238E27FC236}">
+                <a16:creationId xmlns:a16="http://schemas.microsoft.com/office/drawing/2014/main" id="{EAC44E74-89BE-4F92-ADB2-E5F20312DEB3}"/>
+              </a:ext>
+            </a:extLst>
+          </p:cNvPr>
+          <p:cNvPicPr>
+            <a:picLocks noChangeAspect="1"/>
+          </p:cNvPicPr>
+          <p:nvPr/>
+        </p:nvPicPr>
+        <p:blipFill>
+          <a:blip r:embed="rId5"/>
+          <a:stretch>
+            <a:fillRect/>
+          </a:stretch>
+        </p:blipFill>
+        <p:spPr>
+          <a:xfrm>
+            <a:off x="1297057" y="5454019"/>
+            <a:ext cx="8458200" cy="447675"/>
+          </a:xfrm>
+          <a:prstGeom prst="rect">
+            <a:avLst/>
+          </a:prstGeom>
+        </p:spPr>
+      </p:pic>
     </p:spTree>
     <p:extLst>
       <p:ext uri="{BB962C8B-B14F-4D97-AF65-F5344CB8AC3E}">
@@ -5334,8 +5767,38 @@
         </p:blipFill>
         <p:spPr>
           <a:xfrm>
-            <a:off x="1486727" y="746510"/>
+            <a:off x="1460223" y="322441"/>
             <a:ext cx="8849968" cy="5364979"/>
+          </a:xfrm>
+          <a:prstGeom prst="rect">
+            <a:avLst/>
+          </a:prstGeom>
+        </p:spPr>
+      </p:pic>
+      <p:pic>
+        <p:nvPicPr>
+          <p:cNvPr id="3" name="Picture 2">
+            <a:extLst>
+              <a:ext uri="{FF2B5EF4-FFF2-40B4-BE49-F238E27FC236}">
+                <a16:creationId xmlns:a16="http://schemas.microsoft.com/office/drawing/2014/main" id="{9A55C2A6-4152-461D-B120-4217C835E2DA}"/>
+              </a:ext>
+            </a:extLst>
+          </p:cNvPr>
+          <p:cNvPicPr>
+            <a:picLocks noChangeAspect="1"/>
+          </p:cNvPicPr>
+          <p:nvPr/>
+        </p:nvPicPr>
+        <p:blipFill>
+          <a:blip r:embed="rId3"/>
+          <a:stretch>
+            <a:fillRect/>
+          </a:stretch>
+        </p:blipFill>
+        <p:spPr>
+          <a:xfrm>
+            <a:off x="1469955" y="5885902"/>
+            <a:ext cx="8562975" cy="466725"/>
           </a:xfrm>
           <a:prstGeom prst="rect">
             <a:avLst/>
@@ -5394,8 +5857,38 @@
         </p:blipFill>
         <p:spPr>
           <a:xfrm>
-            <a:off x="1395826" y="774171"/>
+            <a:off x="1316313" y="442867"/>
             <a:ext cx="8795095" cy="5309658"/>
+          </a:xfrm>
+          <a:prstGeom prst="rect">
+            <a:avLst/>
+          </a:prstGeom>
+        </p:spPr>
+      </p:pic>
+      <p:pic>
+        <p:nvPicPr>
+          <p:cNvPr id="3" name="Picture 2">
+            <a:extLst>
+              <a:ext uri="{FF2B5EF4-FFF2-40B4-BE49-F238E27FC236}">
+                <a16:creationId xmlns:a16="http://schemas.microsoft.com/office/drawing/2014/main" id="{04623A47-64BA-44B0-9219-47148AE0E6CC}"/>
+              </a:ext>
+            </a:extLst>
+          </p:cNvPr>
+          <p:cNvPicPr>
+            <a:picLocks noChangeAspect="1"/>
+          </p:cNvPicPr>
+          <p:nvPr/>
+        </p:nvPicPr>
+        <p:blipFill>
+          <a:blip r:embed="rId3"/>
+          <a:stretch>
+            <a:fillRect/>
+          </a:stretch>
+        </p:blipFill>
+        <p:spPr>
+          <a:xfrm>
+            <a:off x="1469955" y="5885902"/>
+            <a:ext cx="8562975" cy="466725"/>
           </a:xfrm>
           <a:prstGeom prst="rect">
             <a:avLst/>
@@ -5557,7 +6050,7 @@
           <p:cNvPr id="4" name="Picture 3">
             <a:extLst>
               <a:ext uri="{FF2B5EF4-FFF2-40B4-BE49-F238E27FC236}">
-                <a16:creationId xmlns:a16="http://schemas.microsoft.com/office/drawing/2014/main" id="{E922C49D-E5CA-432A-9232-01E402CB49C7}"/>
+                <a16:creationId xmlns:a16="http://schemas.microsoft.com/office/drawing/2014/main" id="{6139E8A2-FA9A-4C52-B25B-457A19EDBCB1}"/>
               </a:ext>
             </a:extLst>
           </p:cNvPr>
@@ -5574,58 +6067,48 @@
         </p:blipFill>
         <p:spPr>
           <a:xfrm>
-            <a:off x="1097445" y="515239"/>
-            <a:ext cx="9997109" cy="4971162"/>
+            <a:off x="1226238" y="555763"/>
+            <a:ext cx="9455013" cy="4692098"/>
           </a:xfrm>
           <a:prstGeom prst="rect">
             <a:avLst/>
           </a:prstGeom>
         </p:spPr>
       </p:pic>
-      <p:sp>
-        <p:nvSpPr>
-          <p:cNvPr id="2" name="Rectangle 1">
-            <a:extLst>
-              <a:ext uri="{FF2B5EF4-FFF2-40B4-BE49-F238E27FC236}">
-                <a16:creationId xmlns:a16="http://schemas.microsoft.com/office/drawing/2014/main" id="{E0E11138-1B2A-40E0-BFD8-239B272387DC}"/>
-              </a:ext>
-            </a:extLst>
-          </p:cNvPr>
-          <p:cNvSpPr/>
+      <p:pic>
+        <p:nvPicPr>
+          <p:cNvPr id="5" name="Picture 4">
+            <a:extLst>
+              <a:ext uri="{FF2B5EF4-FFF2-40B4-BE49-F238E27FC236}">
+                <a16:creationId xmlns:a16="http://schemas.microsoft.com/office/drawing/2014/main" id="{250EF413-6EA1-4D89-98ED-B2C2286CFFDC}"/>
+              </a:ext>
+            </a:extLst>
+          </p:cNvPr>
+          <p:cNvPicPr>
+            <a:picLocks noChangeAspect="1"/>
+          </p:cNvPicPr>
           <p:nvPr/>
-        </p:nvSpPr>
-        <p:spPr>
-          <a:xfrm>
-            <a:off x="1192696" y="5380672"/>
-            <a:ext cx="9462052" cy="923330"/>
+        </p:nvPicPr>
+        <p:blipFill>
+          <a:blip r:embed="rId3"/>
+          <a:stretch>
+            <a:fillRect/>
+          </a:stretch>
+        </p:blipFill>
+        <p:spPr>
+          <a:xfrm>
+            <a:off x="1339297" y="5521808"/>
+            <a:ext cx="8877300" cy="629893"/>
           </a:xfrm>
           <a:prstGeom prst="rect">
             <a:avLst/>
           </a:prstGeom>
         </p:spPr>
-        <p:txBody>
-          <a:bodyPr wrap="square">
-            <a:spAutoFit/>
-          </a:bodyPr>
-          <a:lstStyle/>
-          <a:p>
-            <a:r>
-              <a:rPr lang="en-US" dirty="0">
-                <a:solidFill>
-                  <a:srgbClr val="24292E"/>
-                </a:solidFill>
-                <a:latin typeface="-apple-system"/>
-              </a:rPr>
-              <a:t>Capitalization rate, also known as cap rate or ROI, refers to a property’s net income as a percentage of its market value. For the purposes of this calculation, the purchase price of the property is often used as its market value, especially if it was acquired within the past few years.</a:t>
-            </a:r>
-            <a:endParaRPr lang="en-US" dirty="0"/>
-          </a:p>
-        </p:txBody>
-      </p:sp>
+      </p:pic>
     </p:spTree>
     <p:extLst>
       <p:ext uri="{BB962C8B-B14F-4D97-AF65-F5344CB8AC3E}">
-        <p14:creationId xmlns:p14="http://schemas.microsoft.com/office/powerpoint/2010/main" val="1600386666"/>
+        <p14:creationId xmlns:p14="http://schemas.microsoft.com/office/powerpoint/2010/main" val="1692904997"/>
       </p:ext>
     </p:extLst>
   </p:cSld>
